--- a/Presentation/ppt10 Transformer3.pptx
+++ b/Presentation/ppt10 Transformer3.pptx
@@ -5,10 +5,10 @@
     <p:sldMasterId id="2147483660" r:id="rId4"/>
   </p:sldMasterIdLst>
   <p:notesMasterIdLst>
-    <p:notesMasterId r:id="rId12"/>
+    <p:notesMasterId r:id="rId13"/>
   </p:notesMasterIdLst>
   <p:handoutMasterIdLst>
-    <p:handoutMasterId r:id="rId13"/>
+    <p:handoutMasterId r:id="rId14"/>
   </p:handoutMasterIdLst>
   <p:sldIdLst>
     <p:sldId id="298" r:id="rId5"/>
@@ -16,8 +16,9 @@
     <p:sldId id="303" r:id="rId7"/>
     <p:sldId id="304" r:id="rId8"/>
     <p:sldId id="305" r:id="rId9"/>
-    <p:sldId id="306" r:id="rId10"/>
-    <p:sldId id="302" r:id="rId11"/>
+    <p:sldId id="307" r:id="rId10"/>
+    <p:sldId id="306" r:id="rId11"/>
+    <p:sldId id="302" r:id="rId12"/>
   </p:sldIdLst>
   <p:sldSz cx="12192000" cy="6858000"/>
   <p:notesSz cx="6858000" cy="9144000"/>
@@ -6982,6 +6983,93 @@
       </p:grpSpPr>
       <p:sp>
         <p:nvSpPr>
+          <p:cNvPr id="2" name="タイトル 1">
+            <a:extLst>
+              <a:ext uri="{FF2B5EF4-FFF2-40B4-BE49-F238E27FC236}">
+                <a16:creationId xmlns:a16="http://schemas.microsoft.com/office/drawing/2014/main" id="{1025A055-B476-EB41-7443-FAA12C13F787}"/>
+              </a:ext>
+            </a:extLst>
+          </p:cNvPr>
+          <p:cNvSpPr>
+            <a:spLocks noGrp="1"/>
+          </p:cNvSpPr>
+          <p:nvPr>
+            <p:ph type="title"/>
+          </p:nvPr>
+        </p:nvSpPr>
+        <p:spPr/>
+        <p:txBody>
+          <a:bodyPr/>
+          <a:lstStyle/>
+          <a:p>
+            <a:r>
+              <a:rPr lang="ja-JP" altLang="en-US" dirty="0"/>
+              <a:t>損失関数</a:t>
+            </a:r>
+          </a:p>
+        </p:txBody>
+      </p:sp>
+      <p:pic>
+        <p:nvPicPr>
+          <p:cNvPr id="5" name="図 4">
+            <a:extLst>
+              <a:ext uri="{FF2B5EF4-FFF2-40B4-BE49-F238E27FC236}">
+                <a16:creationId xmlns:a16="http://schemas.microsoft.com/office/drawing/2014/main" id="{70B1E83A-EC3F-E9D7-5969-0DE2D5E94C92}"/>
+              </a:ext>
+            </a:extLst>
+          </p:cNvPr>
+          <p:cNvPicPr>
+            <a:picLocks noChangeAspect="1"/>
+          </p:cNvPicPr>
+          <p:nvPr/>
+        </p:nvPicPr>
+        <p:blipFill rotWithShape="1">
+          <a:blip r:embed="rId2"/>
+          <a:srcRect l="22311" t="58039" r="32122" b="25334"/>
+          <a:stretch/>
+        </p:blipFill>
+        <p:spPr>
+          <a:xfrm>
+            <a:off x="103262" y="2572921"/>
+            <a:ext cx="11985476" cy="2460094"/>
+          </a:xfrm>
+          <a:prstGeom prst="rect">
+            <a:avLst/>
+          </a:prstGeom>
+        </p:spPr>
+      </p:pic>
+    </p:spTree>
+    <p:extLst>
+      <p:ext uri="{BB962C8B-B14F-4D97-AF65-F5344CB8AC3E}">
+        <p14:creationId xmlns:p14="http://schemas.microsoft.com/office/powerpoint/2010/main" val="3323758640"/>
+      </p:ext>
+    </p:extLst>
+  </p:cSld>
+  <p:clrMapOvr>
+    <a:masterClrMapping/>
+  </p:clrMapOvr>
+</p:sld>
+</file>
+
+<file path=ppt/slides/slide7.xml><?xml version="1.0" encoding="utf-8"?>
+<p:sld xmlns:a="http://schemas.openxmlformats.org/drawingml/2006/main" xmlns:r="http://schemas.openxmlformats.org/officeDocument/2006/relationships" xmlns:p="http://schemas.openxmlformats.org/presentationml/2006/main">
+  <p:cSld>
+    <p:spTree>
+      <p:nvGrpSpPr>
+        <p:cNvPr id="1" name=""/>
+        <p:cNvGrpSpPr/>
+        <p:nvPr/>
+      </p:nvGrpSpPr>
+      <p:grpSpPr>
+        <a:xfrm>
+          <a:off x="0" y="0"/>
+          <a:ext cx="0" cy="0"/>
+          <a:chOff x="0" y="0"/>
+          <a:chExt cx="0" cy="0"/>
+        </a:xfrm>
+      </p:grpSpPr>
+      <p:sp>
+        <p:nvSpPr>
           <p:cNvPr id="2" name="제목 1">
             <a:extLst>
               <a:ext uri="{FF2B5EF4-FFF2-40B4-BE49-F238E27FC236}">
@@ -7083,6 +7171,9 @@
                       <m:sSubPr>
                         <m:ctrlPr>
                           <a:rPr lang="en-US" altLang="ko-KR" sz="2800" b="0" i="1" smtClean="0">
+                            <a:solidFill>
+                              <a:srgbClr val="0070C0"/>
+                            </a:solidFill>
                             <a:latin typeface="Cambria Math" panose="02040503050406030204" pitchFamily="18" charset="0"/>
                           </a:rPr>
                         </m:ctrlPr>
@@ -7090,6 +7181,9 @@
                       <m:e>
                         <m:r>
                           <a:rPr lang="en-US" altLang="ko-KR" sz="2800" b="0" i="1" smtClean="0">
+                            <a:solidFill>
+                              <a:srgbClr val="0070C0"/>
+                            </a:solidFill>
                             <a:latin typeface="Cambria Math" panose="02040503050406030204" pitchFamily="18" charset="0"/>
                           </a:rPr>
                           <m:t>𝑙</m:t>
@@ -7098,6 +7192,9 @@
                       <m:sub>
                         <m:r>
                           <a:rPr lang="en-US" altLang="ko-KR" sz="2800" b="0" i="1" smtClean="0">
+                            <a:solidFill>
+                              <a:srgbClr val="0070C0"/>
+                            </a:solidFill>
                             <a:latin typeface="Cambria Math" panose="02040503050406030204" pitchFamily="18" charset="0"/>
                           </a:rPr>
                           <m:t>𝑟𝑎𝑡𝑒</m:t>
@@ -7106,6 +7203,9 @@
                     </m:sSub>
                     <m:r>
                       <a:rPr lang="en-US" altLang="ko-KR" sz="2800" b="0" i="1" smtClean="0">
+                        <a:solidFill>
+                          <a:srgbClr val="0070C0"/>
+                        </a:solidFill>
                         <a:latin typeface="Cambria Math" panose="02040503050406030204" pitchFamily="18" charset="0"/>
                       </a:rPr>
                       <m:t>=</m:t>
@@ -7114,6 +7214,9 @@
                       <m:sSubSupPr>
                         <m:ctrlPr>
                           <a:rPr lang="en-US" altLang="ko-KR" sz="2800" b="0" i="1" smtClean="0">
+                            <a:solidFill>
+                              <a:srgbClr val="0070C0"/>
+                            </a:solidFill>
                             <a:latin typeface="Cambria Math" panose="02040503050406030204" pitchFamily="18" charset="0"/>
                           </a:rPr>
                         </m:ctrlPr>
@@ -7121,6 +7224,9 @@
                       <m:e>
                         <m:r>
                           <a:rPr lang="en-US" altLang="ko-KR" sz="2800" b="0" i="1" smtClean="0">
+                            <a:solidFill>
+                              <a:srgbClr val="0070C0"/>
+                            </a:solidFill>
                             <a:latin typeface="Cambria Math" panose="02040503050406030204" pitchFamily="18" charset="0"/>
                           </a:rPr>
                           <m:t>𝑑</m:t>
@@ -7129,6 +7235,9 @@
                       <m:sub>
                         <m:r>
                           <a:rPr lang="en-US" altLang="ko-KR" sz="2800" b="0" i="1" smtClean="0">
+                            <a:solidFill>
+                              <a:srgbClr val="0070C0"/>
+                            </a:solidFill>
                             <a:latin typeface="Cambria Math" panose="02040503050406030204" pitchFamily="18" charset="0"/>
                           </a:rPr>
                           <m:t>𝑚𝑜𝑑𝑒𝑙</m:t>
@@ -7137,6 +7246,9 @@
                       <m:sup>
                         <m:r>
                           <a:rPr lang="en-US" altLang="ko-KR" sz="2800" b="0" i="1" smtClean="0">
+                            <a:solidFill>
+                              <a:srgbClr val="0070C0"/>
+                            </a:solidFill>
                             <a:latin typeface="Cambria Math" panose="02040503050406030204" pitchFamily="18" charset="0"/>
                           </a:rPr>
                           <m:t>−0.5</m:t>
@@ -7145,6 +7257,9 @@
                     </m:sSubSup>
                     <m:r>
                       <a:rPr lang="en-US" altLang="ko-KR" sz="2800" b="0" i="1" smtClean="0">
+                        <a:solidFill>
+                          <a:srgbClr val="0070C0"/>
+                        </a:solidFill>
                         <a:latin typeface="Cambria Math" panose="02040503050406030204" pitchFamily="18" charset="0"/>
                       </a:rPr>
                       <m:t>∗</m:t>
@@ -7154,12 +7269,18 @@
                         <m:sty m:val="p"/>
                       </m:rPr>
                       <a:rPr lang="en-US" altLang="ko-KR" sz="2800" b="0" i="0" smtClean="0">
+                        <a:solidFill>
+                          <a:srgbClr val="0070C0"/>
+                        </a:solidFill>
                         <a:latin typeface="Cambria Math" panose="02040503050406030204" pitchFamily="18" charset="0"/>
                       </a:rPr>
                       <m:t>min</m:t>
                     </m:r>
                     <m:r>
                       <a:rPr lang="en-US" altLang="ko-KR" sz="2800" b="0" i="1" smtClean="0">
+                        <a:solidFill>
+                          <a:srgbClr val="0070C0"/>
+                        </a:solidFill>
                         <a:latin typeface="Cambria Math" panose="02040503050406030204" pitchFamily="18" charset="0"/>
                       </a:rPr>
                       <m:t>⁡(</m:t>
@@ -7168,6 +7289,9 @@
                       <m:sSupPr>
                         <m:ctrlPr>
                           <a:rPr lang="en-US" altLang="ko-KR" sz="2800" b="0" i="1" smtClean="0">
+                            <a:solidFill>
+                              <a:srgbClr val="0070C0"/>
+                            </a:solidFill>
                             <a:latin typeface="Cambria Math" panose="02040503050406030204" pitchFamily="18" charset="0"/>
                           </a:rPr>
                         </m:ctrlPr>
@@ -7175,6 +7299,9 @@
                       <m:e>
                         <m:r>
                           <a:rPr lang="en-US" altLang="ko-KR" sz="2800" b="0" i="1" smtClean="0">
+                            <a:solidFill>
+                              <a:srgbClr val="0070C0"/>
+                            </a:solidFill>
                             <a:latin typeface="Cambria Math" panose="02040503050406030204" pitchFamily="18" charset="0"/>
                           </a:rPr>
                           <m:t>𝑠𝑡𝑒</m:t>
@@ -7183,6 +7310,9 @@
                           <m:sSubPr>
                             <m:ctrlPr>
                               <a:rPr lang="en-US" altLang="ko-KR" sz="2800" b="0" i="1" smtClean="0">
+                                <a:solidFill>
+                                  <a:srgbClr val="0070C0"/>
+                                </a:solidFill>
                                 <a:latin typeface="Cambria Math" panose="02040503050406030204" pitchFamily="18" charset="0"/>
                               </a:rPr>
                             </m:ctrlPr>
@@ -7190,6 +7320,9 @@
                           <m:e>
                             <m:r>
                               <a:rPr lang="en-US" altLang="ko-KR" sz="2800" b="0" i="1" smtClean="0">
+                                <a:solidFill>
+                                  <a:srgbClr val="0070C0"/>
+                                </a:solidFill>
                                 <a:latin typeface="Cambria Math" panose="02040503050406030204" pitchFamily="18" charset="0"/>
                               </a:rPr>
                               <m:t>𝑝</m:t>
@@ -7198,6 +7331,9 @@
                           <m:sub>
                             <m:r>
                               <a:rPr lang="en-US" altLang="ko-KR" sz="2800" b="0" i="1" smtClean="0">
+                                <a:solidFill>
+                                  <a:srgbClr val="0070C0"/>
+                                </a:solidFill>
                                 <a:latin typeface="Cambria Math" panose="02040503050406030204" pitchFamily="18" charset="0"/>
                               </a:rPr>
                               <m:t>𝑛𝑢𝑚</m:t>
@@ -7208,6 +7344,9 @@
                       <m:sup>
                         <m:r>
                           <a:rPr lang="en-US" altLang="ko-KR" sz="2800" b="0" i="1" smtClean="0">
+                            <a:solidFill>
+                              <a:srgbClr val="0070C0"/>
+                            </a:solidFill>
                             <a:latin typeface="Cambria Math" panose="02040503050406030204" pitchFamily="18" charset="0"/>
                           </a:rPr>
                           <m:t>−0.5</m:t>
@@ -7216,30 +7355,45 @@
                     </m:sSup>
                     <m:r>
                       <a:rPr lang="en-US" altLang="ko-KR" sz="2800" b="0" i="1" smtClean="0">
+                        <a:solidFill>
+                          <a:srgbClr val="0070C0"/>
+                        </a:solidFill>
                         <a:latin typeface="Cambria Math" panose="02040503050406030204" pitchFamily="18" charset="0"/>
                       </a:rPr>
                       <m:t>,  </m:t>
                     </m:r>
                     <m:r>
                       <a:rPr lang="en-US" altLang="ko-KR" sz="2800" b="0" i="1" smtClean="0">
+                        <a:solidFill>
+                          <a:srgbClr val="0070C0"/>
+                        </a:solidFill>
                         <a:latin typeface="Cambria Math" panose="02040503050406030204" pitchFamily="18" charset="0"/>
                       </a:rPr>
                       <m:t>𝑠𝑡𝑒𝑝</m:t>
                     </m:r>
                     <m:r>
                       <a:rPr lang="en-US" altLang="ko-KR" sz="2800" b="0" i="1" smtClean="0">
+                        <a:solidFill>
+                          <a:srgbClr val="0070C0"/>
+                        </a:solidFill>
                         <a:latin typeface="Cambria Math" panose="02040503050406030204" pitchFamily="18" charset="0"/>
                       </a:rPr>
                       <m:t>_</m:t>
                     </m:r>
                     <m:r>
                       <a:rPr lang="en-US" altLang="ko-KR" sz="2800" b="0" i="1" smtClean="0">
+                        <a:solidFill>
+                          <a:srgbClr val="0070C0"/>
+                        </a:solidFill>
                         <a:latin typeface="Cambria Math" panose="02040503050406030204" pitchFamily="18" charset="0"/>
                       </a:rPr>
                       <m:t>𝑛𝑢𝑚</m:t>
                     </m:r>
                     <m:r>
                       <a:rPr lang="en-US" altLang="ko-KR" sz="2800" b="0" i="1" smtClean="0">
+                        <a:solidFill>
+                          <a:srgbClr val="0070C0"/>
+                        </a:solidFill>
                         <a:latin typeface="Cambria Math" panose="02040503050406030204" pitchFamily="18" charset="0"/>
                       </a:rPr>
                       <m:t>∗</m:t>
@@ -7248,6 +7402,9 @@
                       <m:sSupPr>
                         <m:ctrlPr>
                           <a:rPr lang="en-US" altLang="ko-KR" sz="2800" b="0" i="1" smtClean="0">
+                            <a:solidFill>
+                              <a:srgbClr val="0070C0"/>
+                            </a:solidFill>
                             <a:latin typeface="Cambria Math" panose="02040503050406030204" pitchFamily="18" charset="0"/>
                           </a:rPr>
                         </m:ctrlPr>
@@ -7255,18 +7412,27 @@
                       <m:e>
                         <m:r>
                           <a:rPr lang="en-US" altLang="ko-KR" sz="2800" b="0" i="1" smtClean="0">
+                            <a:solidFill>
+                              <a:srgbClr val="0070C0"/>
+                            </a:solidFill>
                             <a:latin typeface="Cambria Math" panose="02040503050406030204" pitchFamily="18" charset="0"/>
                           </a:rPr>
                           <m:t>𝑤𝑎𝑟𝑚𝑢𝑝</m:t>
                         </m:r>
                         <m:r>
                           <a:rPr lang="en-US" altLang="ko-KR" sz="2800" b="0" i="1" smtClean="0">
+                            <a:solidFill>
+                              <a:srgbClr val="0070C0"/>
+                            </a:solidFill>
                             <a:latin typeface="Cambria Math" panose="02040503050406030204" pitchFamily="18" charset="0"/>
                           </a:rPr>
                           <m:t>_</m:t>
                         </m:r>
                         <m:r>
                           <a:rPr lang="en-US" altLang="ko-KR" sz="2800" b="0" i="1" smtClean="0">
+                            <a:solidFill>
+                              <a:srgbClr val="0070C0"/>
+                            </a:solidFill>
                             <a:latin typeface="Cambria Math" panose="02040503050406030204" pitchFamily="18" charset="0"/>
                           </a:rPr>
                           <m:t>𝑠𝑡𝑒𝑝𝑠</m:t>
@@ -7275,6 +7441,9 @@
                       <m:sup>
                         <m:r>
                           <a:rPr lang="en-US" altLang="ko-KR" sz="2800" b="0" i="1" smtClean="0">
+                            <a:solidFill>
+                              <a:srgbClr val="0070C0"/>
+                            </a:solidFill>
                             <a:latin typeface="Cambria Math" panose="02040503050406030204" pitchFamily="18" charset="0"/>
                           </a:rPr>
                           <m:t>−1.5</m:t>
@@ -7283,13 +7452,20 @@
                     </m:sSup>
                     <m:r>
                       <a:rPr lang="en-US" altLang="ko-KR" sz="2800" b="0" i="1" smtClean="0">
+                        <a:solidFill>
+                          <a:srgbClr val="0070C0"/>
+                        </a:solidFill>
                         <a:latin typeface="Cambria Math" panose="02040503050406030204" pitchFamily="18" charset="0"/>
                       </a:rPr>
                       <m:t>)</m:t>
                     </m:r>
                   </m:oMath>
                 </a14:m>
-                <a:endParaRPr lang="en-US" altLang="ko-KR" sz="2800" dirty="0"/>
+                <a:endParaRPr lang="en-US" altLang="ko-KR" sz="2800" dirty="0">
+                  <a:solidFill>
+                    <a:srgbClr val="0070C0"/>
+                  </a:solidFill>
+                </a:endParaRPr>
               </a:p>
               <a:p>
                 <a14:m>
@@ -7445,7 +7621,7 @@
               <a:lstStyle/>
               <a:p>
                 <a:r>
-                  <a:rPr lang="ko-KR" altLang="en-US">
+                  <a:rPr lang="ja-JP" altLang="en-US">
                     <a:noFill/>
                   </a:rPr>
                   <a:t> </a:t>
@@ -7532,6 +7708,7 @@
               </a:bodyPr>
               <a:lstStyle/>
               <a:p>
+                <a:pPr/>
                 <a14:m>
                   <m:oMathPara xmlns:m="http://schemas.openxmlformats.org/officeDocument/2006/math">
                     <m:oMathParaPr>
@@ -7540,24 +7717,48 @@
                     <m:oMath xmlns:m="http://schemas.openxmlformats.org/officeDocument/2006/math">
                       <m:r>
                         <a:rPr lang="en-US" altLang="ko-KR" sz="1800" b="0" i="1" smtClean="0">
+                          <a:solidFill>
+                            <a:schemeClr val="tx1">
+                              <a:lumMod val="75000"/>
+                              <a:lumOff val="25000"/>
+                            </a:schemeClr>
+                          </a:solidFill>
                           <a:latin typeface="Cambria Math" panose="02040503050406030204" pitchFamily="18" charset="0"/>
                         </a:rPr>
                         <m:t>𝑤𝑎𝑟𝑚𝑢𝑝</m:t>
                       </m:r>
                       <m:r>
                         <a:rPr lang="en-US" altLang="ko-KR" sz="1800" b="0" i="1" smtClean="0">
+                          <a:solidFill>
+                            <a:schemeClr val="tx1">
+                              <a:lumMod val="75000"/>
+                              <a:lumOff val="25000"/>
+                            </a:schemeClr>
+                          </a:solidFill>
                           <a:latin typeface="Cambria Math" panose="02040503050406030204" pitchFamily="18" charset="0"/>
                         </a:rPr>
                         <m:t>_</m:t>
                       </m:r>
                       <m:r>
                         <a:rPr lang="en-US" altLang="ko-KR" sz="1800" b="0" i="1" smtClean="0">
+                          <a:solidFill>
+                            <a:schemeClr val="tx1">
+                              <a:lumMod val="75000"/>
+                              <a:lumOff val="25000"/>
+                            </a:schemeClr>
+                          </a:solidFill>
                           <a:latin typeface="Cambria Math" panose="02040503050406030204" pitchFamily="18" charset="0"/>
                         </a:rPr>
                         <m:t>𝑠𝑡𝑝𝑒𝑠</m:t>
                       </m:r>
                       <m:r>
                         <a:rPr lang="en-US" altLang="ko-KR" sz="1800" b="0" i="1" smtClean="0">
+                          <a:solidFill>
+                            <a:schemeClr val="tx1">
+                              <a:lumMod val="75000"/>
+                              <a:lumOff val="25000"/>
+                            </a:schemeClr>
+                          </a:solidFill>
                           <a:latin typeface="Cambria Math" panose="02040503050406030204" pitchFamily="18" charset="0"/>
                         </a:rPr>
                         <m:t>=4000</m:t>
@@ -7565,7 +7766,14 @@
                     </m:oMath>
                   </m:oMathPara>
                 </a14:m>
-                <a:endParaRPr lang="ko-KR" altLang="en-US" dirty="0"/>
+                <a:endParaRPr lang="ko-KR" altLang="en-US" dirty="0">
+                  <a:solidFill>
+                    <a:schemeClr val="tx1">
+                      <a:lumMod val="75000"/>
+                      <a:lumOff val="25000"/>
+                    </a:schemeClr>
+                  </a:solidFill>
+                </a:endParaRPr>
               </a:p>
             </p:txBody>
           </p:sp>
@@ -7605,7 +7813,7 @@
               <a:lstStyle/>
               <a:p>
                 <a:r>
-                  <a:rPr lang="ko-KR" altLang="en-US">
+                  <a:rPr lang="ja-JP" altLang="en-US">
                     <a:noFill/>
                   </a:rPr>
                   <a:t> </a:t>
@@ -7628,7 +7836,7 @@
 </p:sld>
 </file>
 
-<file path=ppt/slides/slide7.xml><?xml version="1.0" encoding="utf-8"?>
+<file path=ppt/slides/slide8.xml><?xml version="1.0" encoding="utf-8"?>
 <p:sld xmlns:a="http://schemas.openxmlformats.org/drawingml/2006/main" xmlns:r="http://schemas.openxmlformats.org/officeDocument/2006/relationships" xmlns:p="http://schemas.openxmlformats.org/presentationml/2006/main">
   <p:cSld>
     <p:spTree>
@@ -8573,6 +8781,15 @@
 </file>
 
 <file path=customXml/item1.xml><?xml version="1.0" encoding="utf-8"?>
+<p:properties xmlns:p="http://schemas.microsoft.com/office/2006/metadata/properties" xmlns:xsi="http://www.w3.org/2001/XMLSchema-instance" xmlns:pc="http://schemas.microsoft.com/office/infopath/2007/PartnerControls">
+  <documentManagement>
+    <Status xmlns="71af3243-3dd4-4a8d-8c0d-dd76da1f02a5">Not started</Status>
+    <MediaServiceKeyPoints xmlns="71af3243-3dd4-4a8d-8c0d-dd76da1f02a5" xsi:nil="true"/>
+  </documentManagement>
+</p:properties>
+</file>
+
+<file path=customXml/item2.xml><?xml version="1.0" encoding="utf-8"?>
 <ct:contentTypeSchema xmlns:ct="http://schemas.microsoft.com/office/2006/metadata/contentType" xmlns:ma="http://schemas.microsoft.com/office/2006/metadata/properties/metaAttributes" ct:_="" ma:_="" ma:contentTypeName="Document" ma:contentTypeID="0x01010079F111ED35F8CC479449609E8A0923A6" ma:contentTypeVersion="12" ma:contentTypeDescription="Create a new document." ma:contentTypeScope="" ma:versionID="a410dd7f93c95333ffa1b60ed6adedd1">
   <xsd:schema xmlns:xsd="http://www.w3.org/2001/XMLSchema" xmlns:xs="http://www.w3.org/2001/XMLSchema" xmlns:p="http://schemas.microsoft.com/office/2006/metadata/properties" xmlns:ns2="71af3243-3dd4-4a8d-8c0d-dd76da1f02a5" xmlns:ns3="16c05727-aa75-4e4a-9b5f-8a80a1165891" targetNamespace="http://schemas.microsoft.com/office/2006/metadata/properties" ma:root="true" ma:fieldsID="a936d9baba76aa3866493feff160faab" ns2:_="" ns3:_="">
     <xsd:import namespace="71af3243-3dd4-4a8d-8c0d-dd76da1f02a5"/>
@@ -8793,15 +9010,6 @@
 </ct:contentTypeSchema>
 </file>
 
-<file path=customXml/item2.xml><?xml version="1.0" encoding="utf-8"?>
-<p:properties xmlns:p="http://schemas.microsoft.com/office/2006/metadata/properties" xmlns:xsi="http://www.w3.org/2001/XMLSchema-instance" xmlns:pc="http://schemas.microsoft.com/office/infopath/2007/PartnerControls">
-  <documentManagement>
-    <Status xmlns="71af3243-3dd4-4a8d-8c0d-dd76da1f02a5">Not started</Status>
-    <MediaServiceKeyPoints xmlns="71af3243-3dd4-4a8d-8c0d-dd76da1f02a5" xsi:nil="true"/>
-  </documentManagement>
-</p:properties>
-</file>
-
 <file path=customXml/item3.xml><?xml version="1.0" encoding="utf-8"?>
 <?mso-contentType ?>
 <FormTemplates xmlns="http://schemas.microsoft.com/sharepoint/v3/contenttype/forms">
@@ -8812,6 +9020,16 @@
 </file>
 
 <file path=customXml/itemProps1.xml><?xml version="1.0" encoding="utf-8"?>
+<ds:datastoreItem xmlns:ds="http://schemas.openxmlformats.org/officeDocument/2006/customXml" ds:itemID="{A03EEFF0-FB57-4CB4-8BFC-DF397689E2ED}">
+  <ds:schemaRefs>
+    <ds:schemaRef ds:uri="http://schemas.microsoft.com/office/2006/metadata/properties"/>
+    <ds:schemaRef ds:uri="http://schemas.microsoft.com/office/infopath/2007/PartnerControls"/>
+    <ds:schemaRef ds:uri="71af3243-3dd4-4a8d-8c0d-dd76da1f02a5"/>
+  </ds:schemaRefs>
+</ds:datastoreItem>
+</file>
+
+<file path=customXml/itemProps2.xml><?xml version="1.0" encoding="utf-8"?>
 <ds:datastoreItem xmlns:ds="http://schemas.openxmlformats.org/officeDocument/2006/customXml" ds:itemID="{93932EF5-314F-409E-8020-FEE5FA0795B9}">
   <ds:schemaRefs>
     <ds:schemaRef ds:uri="http://schemas.microsoft.com/office/2006/metadata/contentType"/>
@@ -8830,16 +9048,6 @@
 </ds:datastoreItem>
 </file>
 
-<file path=customXml/itemProps2.xml><?xml version="1.0" encoding="utf-8"?>
-<ds:datastoreItem xmlns:ds="http://schemas.openxmlformats.org/officeDocument/2006/customXml" ds:itemID="{A03EEFF0-FB57-4CB4-8BFC-DF397689E2ED}">
-  <ds:schemaRefs>
-    <ds:schemaRef ds:uri="http://schemas.microsoft.com/office/2006/metadata/properties"/>
-    <ds:schemaRef ds:uri="http://schemas.microsoft.com/office/infopath/2007/PartnerControls"/>
-    <ds:schemaRef ds:uri="71af3243-3dd4-4a8d-8c0d-dd76da1f02a5"/>
-  </ds:schemaRefs>
-</ds:datastoreItem>
-</file>
-
 <file path=customXml/itemProps3.xml><?xml version="1.0" encoding="utf-8"?>
 <ds:datastoreItem xmlns:ds="http://schemas.openxmlformats.org/officeDocument/2006/customXml" ds:itemID="{AA3F7EDC-E5B4-4BBC-9D2A-CBE6D46C37AD}">
   <ds:schemaRefs>
